--- a/WhitePaper/Semantics for Healthcare Data2.pptx
+++ b/WhitePaper/Semantics for Healthcare Data2.pptx
@@ -269,7 +269,7 @@
           <a:p>
             <a:fld id="{020D0AF2-8150-483B-8AB5-B8BDCF551044}" type="datetimeFigureOut">
               <a:rPr lang="en-US" smtClean="0"/>
-              <a:t>4/1/2022</a:t>
+              <a:t>9/20/2023</a:t>
             </a:fld>
             <a:endParaRPr lang="en-US"/>
           </a:p>
@@ -467,7 +467,7 @@
           <a:p>
             <a:fld id="{020D0AF2-8150-483B-8AB5-B8BDCF551044}" type="datetimeFigureOut">
               <a:rPr lang="en-US" smtClean="0"/>
-              <a:t>4/1/2022</a:t>
+              <a:t>9/20/2023</a:t>
             </a:fld>
             <a:endParaRPr lang="en-US"/>
           </a:p>
@@ -675,7 +675,7 @@
           <a:p>
             <a:fld id="{020D0AF2-8150-483B-8AB5-B8BDCF551044}" type="datetimeFigureOut">
               <a:rPr lang="en-US" smtClean="0"/>
-              <a:t>4/1/2022</a:t>
+              <a:t>9/20/2023</a:t>
             </a:fld>
             <a:endParaRPr lang="en-US"/>
           </a:p>
@@ -873,7 +873,7 @@
           <a:p>
             <a:fld id="{020D0AF2-8150-483B-8AB5-B8BDCF551044}" type="datetimeFigureOut">
               <a:rPr lang="en-US" smtClean="0"/>
-              <a:t>4/1/2022</a:t>
+              <a:t>9/20/2023</a:t>
             </a:fld>
             <a:endParaRPr lang="en-US"/>
           </a:p>
@@ -1148,7 +1148,7 @@
           <a:p>
             <a:fld id="{020D0AF2-8150-483B-8AB5-B8BDCF551044}" type="datetimeFigureOut">
               <a:rPr lang="en-US" smtClean="0"/>
-              <a:t>4/1/2022</a:t>
+              <a:t>9/20/2023</a:t>
             </a:fld>
             <a:endParaRPr lang="en-US"/>
           </a:p>
@@ -1413,7 +1413,7 @@
           <a:p>
             <a:fld id="{020D0AF2-8150-483B-8AB5-B8BDCF551044}" type="datetimeFigureOut">
               <a:rPr lang="en-US" smtClean="0"/>
-              <a:t>4/1/2022</a:t>
+              <a:t>9/20/2023</a:t>
             </a:fld>
             <a:endParaRPr lang="en-US"/>
           </a:p>
@@ -1825,7 +1825,7 @@
           <a:p>
             <a:fld id="{020D0AF2-8150-483B-8AB5-B8BDCF551044}" type="datetimeFigureOut">
               <a:rPr lang="en-US" smtClean="0"/>
-              <a:t>4/1/2022</a:t>
+              <a:t>9/20/2023</a:t>
             </a:fld>
             <a:endParaRPr lang="en-US"/>
           </a:p>
@@ -1966,7 +1966,7 @@
           <a:p>
             <a:fld id="{020D0AF2-8150-483B-8AB5-B8BDCF551044}" type="datetimeFigureOut">
               <a:rPr lang="en-US" smtClean="0"/>
-              <a:t>4/1/2022</a:t>
+              <a:t>9/20/2023</a:t>
             </a:fld>
             <a:endParaRPr lang="en-US"/>
           </a:p>
@@ -2079,7 +2079,7 @@
           <a:p>
             <a:fld id="{020D0AF2-8150-483B-8AB5-B8BDCF551044}" type="datetimeFigureOut">
               <a:rPr lang="en-US" smtClean="0"/>
-              <a:t>4/1/2022</a:t>
+              <a:t>9/20/2023</a:t>
             </a:fld>
             <a:endParaRPr lang="en-US"/>
           </a:p>
@@ -2390,7 +2390,7 @@
           <a:p>
             <a:fld id="{020D0AF2-8150-483B-8AB5-B8BDCF551044}" type="datetimeFigureOut">
               <a:rPr lang="en-US" smtClean="0"/>
-              <a:t>4/1/2022</a:t>
+              <a:t>9/20/2023</a:t>
             </a:fld>
             <a:endParaRPr lang="en-US"/>
           </a:p>
@@ -2678,7 +2678,7 @@
           <a:p>
             <a:fld id="{020D0AF2-8150-483B-8AB5-B8BDCF551044}" type="datetimeFigureOut">
               <a:rPr lang="en-US" smtClean="0"/>
-              <a:t>4/1/2022</a:t>
+              <a:t>9/20/2023</a:t>
             </a:fld>
             <a:endParaRPr lang="en-US"/>
           </a:p>
@@ -2919,7 +2919,7 @@
           <a:p>
             <a:fld id="{020D0AF2-8150-483B-8AB5-B8BDCF551044}" type="datetimeFigureOut">
               <a:rPr lang="en-US" smtClean="0"/>
-              <a:t>4/1/2022</a:t>
+              <a:t>9/20/2023</a:t>
             </a:fld>
             <a:endParaRPr lang="en-US"/>
           </a:p>
@@ -8865,7 +8865,10 @@
           <a:bodyPr/>
           <a:lstStyle/>
           <a:p>
-            <a:endParaRPr lang="en-US"/>
+            <a:r>
+              <a:rPr lang="en-US" dirty="0"/>
+              <a:t>Binding to Data</a:t>
+            </a:r>
           </a:p>
         </p:txBody>
       </p:sp>
